--- a/Hamilton/DeepTB_family/deeptb_v2.pptx
+++ b/Hamilton/DeepTB_family/deeptb_v2.pptx
@@ -112,7 +112,7 @@
   <p:extLst>
     <p:ext uri="{EFAFB233-063F-42B5-8137-9DF3F51BA10A}">
       <p15:sldGuideLst xmlns:p15="http://schemas.microsoft.com/office/powerpoint/2012/main">
-        <p15:guide id="1" orient="horz" pos="2160" userDrawn="1">
+        <p15:guide id="1" orient="horz" pos="300" userDrawn="1">
           <p15:clr>
             <a:srgbClr val="A4A3A4"/>
           </p15:clr>
@@ -275,7 +275,7 @@
           <a:p>
             <a:fld id="{4611E34E-8179-4CD8-B7A7-4C6C8B732BAA}" type="datetimeFigureOut">
               <a:rPr lang="zh-CN" altLang="en-US" smtClean="0"/>
-              <a:t>2025/5/6</a:t>
+              <a:t>2025/5/9</a:t>
             </a:fld>
             <a:endParaRPr lang="zh-CN" altLang="en-US"/>
           </a:p>
@@ -473,7 +473,7 @@
           <a:p>
             <a:fld id="{4611E34E-8179-4CD8-B7A7-4C6C8B732BAA}" type="datetimeFigureOut">
               <a:rPr lang="zh-CN" altLang="en-US" smtClean="0"/>
-              <a:t>2025/5/6</a:t>
+              <a:t>2025/5/9</a:t>
             </a:fld>
             <a:endParaRPr lang="zh-CN" altLang="en-US"/>
           </a:p>
@@ -681,7 +681,7 @@
           <a:p>
             <a:fld id="{4611E34E-8179-4CD8-B7A7-4C6C8B732BAA}" type="datetimeFigureOut">
               <a:rPr lang="zh-CN" altLang="en-US" smtClean="0"/>
-              <a:t>2025/5/6</a:t>
+              <a:t>2025/5/9</a:t>
             </a:fld>
             <a:endParaRPr lang="zh-CN" altLang="en-US"/>
           </a:p>
@@ -879,7 +879,7 @@
           <a:p>
             <a:fld id="{4611E34E-8179-4CD8-B7A7-4C6C8B732BAA}" type="datetimeFigureOut">
               <a:rPr lang="zh-CN" altLang="en-US" smtClean="0"/>
-              <a:t>2025/5/6</a:t>
+              <a:t>2025/5/9</a:t>
             </a:fld>
             <a:endParaRPr lang="zh-CN" altLang="en-US"/>
           </a:p>
@@ -1154,7 +1154,7 @@
           <a:p>
             <a:fld id="{4611E34E-8179-4CD8-B7A7-4C6C8B732BAA}" type="datetimeFigureOut">
               <a:rPr lang="zh-CN" altLang="en-US" smtClean="0"/>
-              <a:t>2025/5/6</a:t>
+              <a:t>2025/5/9</a:t>
             </a:fld>
             <a:endParaRPr lang="zh-CN" altLang="en-US"/>
           </a:p>
@@ -1419,7 +1419,7 @@
           <a:p>
             <a:fld id="{4611E34E-8179-4CD8-B7A7-4C6C8B732BAA}" type="datetimeFigureOut">
               <a:rPr lang="zh-CN" altLang="en-US" smtClean="0"/>
-              <a:t>2025/5/6</a:t>
+              <a:t>2025/5/9</a:t>
             </a:fld>
             <a:endParaRPr lang="zh-CN" altLang="en-US"/>
           </a:p>
@@ -1831,7 +1831,7 @@
           <a:p>
             <a:fld id="{4611E34E-8179-4CD8-B7A7-4C6C8B732BAA}" type="datetimeFigureOut">
               <a:rPr lang="zh-CN" altLang="en-US" smtClean="0"/>
-              <a:t>2025/5/6</a:t>
+              <a:t>2025/5/9</a:t>
             </a:fld>
             <a:endParaRPr lang="zh-CN" altLang="en-US"/>
           </a:p>
@@ -1972,7 +1972,7 @@
           <a:p>
             <a:fld id="{4611E34E-8179-4CD8-B7A7-4C6C8B732BAA}" type="datetimeFigureOut">
               <a:rPr lang="zh-CN" altLang="en-US" smtClean="0"/>
-              <a:t>2025/5/6</a:t>
+              <a:t>2025/5/9</a:t>
             </a:fld>
             <a:endParaRPr lang="zh-CN" altLang="en-US"/>
           </a:p>
@@ -2085,7 +2085,7 @@
           <a:p>
             <a:fld id="{4611E34E-8179-4CD8-B7A7-4C6C8B732BAA}" type="datetimeFigureOut">
               <a:rPr lang="zh-CN" altLang="en-US" smtClean="0"/>
-              <a:t>2025/5/6</a:t>
+              <a:t>2025/5/9</a:t>
             </a:fld>
             <a:endParaRPr lang="zh-CN" altLang="en-US"/>
           </a:p>
@@ -2396,7 +2396,7 @@
           <a:p>
             <a:fld id="{4611E34E-8179-4CD8-B7A7-4C6C8B732BAA}" type="datetimeFigureOut">
               <a:rPr lang="zh-CN" altLang="en-US" smtClean="0"/>
-              <a:t>2025/5/6</a:t>
+              <a:t>2025/5/9</a:t>
             </a:fld>
             <a:endParaRPr lang="zh-CN" altLang="en-US"/>
           </a:p>
@@ -2684,7 +2684,7 @@
           <a:p>
             <a:fld id="{4611E34E-8179-4CD8-B7A7-4C6C8B732BAA}" type="datetimeFigureOut">
               <a:rPr lang="zh-CN" altLang="en-US" smtClean="0"/>
-              <a:t>2025/5/6</a:t>
+              <a:t>2025/5/9</a:t>
             </a:fld>
             <a:endParaRPr lang="zh-CN" altLang="en-US"/>
           </a:p>
@@ -2925,7 +2925,7 @@
           <a:p>
             <a:fld id="{4611E34E-8179-4CD8-B7A7-4C6C8B732BAA}" type="datetimeFigureOut">
               <a:rPr lang="zh-CN" altLang="en-US" smtClean="0"/>
-              <a:t>2025/5/6</a:t>
+              <a:t>2025/5/9</a:t>
             </a:fld>
             <a:endParaRPr lang="zh-CN" altLang="en-US"/>
           </a:p>
